--- a/chapter5-word2VecX浅析/神经网络简介.pptx
+++ b/chapter5-word2VecX浅析/神经网络简介.pptx
@@ -7207,7 +7207,7 @@
           <a:graphicData uri="http://schemas.openxmlformats.org/presentationml/2006/ole">
             <mc:AlternateContent xmlns:mc="http://schemas.openxmlformats.org/markup-compatibility/2006">
               <mc:Choice xmlns:v="urn:schemas-microsoft-com:vml" Requires="v">
-                <p:oleObj spid="_x0000_s16472" name="Equation" r:id="rId5" imgW="279360" imgH="228600" progId="Equation.DSMT4">
+                <p:oleObj spid="_x0000_s16476" name="Equation" r:id="rId5" imgW="279360" imgH="228600" progId="Equation.DSMT4">
                   <p:embed/>
                 </p:oleObj>
               </mc:Choice>
@@ -8159,11 +8159,11 @@
   <p:clrMapOvr>
     <a:masterClrMapping/>
   </p:clrMapOvr>
-  <mc:AlternateContent xmlns:mc="http://schemas.openxmlformats.org/markup-compatibility/2006">
-    <mc:Choice xmlns:p14="http://schemas.microsoft.com/office/powerpoint/2010/main" Requires="p14">
+  <mc:AlternateContent xmlns:mc="http://schemas.openxmlformats.org/markup-compatibility/2006" xmlns:p14="http://schemas.microsoft.com/office/powerpoint/2010/main">
+    <mc:Choice Requires="p14">
       <p:transition p14:dur="10"/>
     </mc:Choice>
-    <mc:Fallback>
+    <mc:Fallback xmlns="">
       <p:transition/>
     </mc:Fallback>
   </mc:AlternateContent>
@@ -9634,11 +9634,11 @@
   <p:clrMapOvr>
     <a:masterClrMapping/>
   </p:clrMapOvr>
-  <mc:AlternateContent xmlns:mc="http://schemas.openxmlformats.org/markup-compatibility/2006">
-    <mc:Choice xmlns:p14="http://schemas.microsoft.com/office/powerpoint/2010/main" Requires="p14">
+  <mc:AlternateContent xmlns:mc="http://schemas.openxmlformats.org/markup-compatibility/2006" xmlns:p14="http://schemas.microsoft.com/office/powerpoint/2010/main">
+    <mc:Choice Requires="p14">
       <p:transition p14:dur="10"/>
     </mc:Choice>
-    <mc:Fallback>
+    <mc:Fallback xmlns="">
       <p:transition/>
     </mc:Fallback>
   </mc:AlternateContent>
@@ -11494,6 +11494,127 @@
       <p:transition/>
     </mc:Fallback>
   </mc:AlternateContent>
+  <p:timing>
+    <p:tnLst>
+      <p:par>
+        <p:cTn id="1" dur="indefinite" restart="never" nodeType="tmRoot">
+          <p:childTnLst>
+            <p:seq concurrent="1" nextAc="seek">
+              <p:cTn id="2" dur="indefinite" nodeType="mainSeq">
+                <p:childTnLst>
+                  <p:par>
+                    <p:cTn id="3" fill="hold">
+                      <p:stCondLst>
+                        <p:cond delay="indefinite"/>
+                      </p:stCondLst>
+                      <p:childTnLst>
+                        <p:par>
+                          <p:cTn id="4" fill="hold">
+                            <p:stCondLst>
+                              <p:cond delay="0"/>
+                            </p:stCondLst>
+                            <p:childTnLst>
+                              <p:par>
+                                <p:cTn id="5" presetID="10" presetClass="entr" presetSubtype="0" fill="hold" grpId="0" nodeType="clickEffect">
+                                  <p:stCondLst>
+                                    <p:cond delay="0"/>
+                                  </p:stCondLst>
+                                  <p:childTnLst>
+                                    <p:set>
+                                      <p:cBhvr>
+                                        <p:cTn id="6" dur="1" fill="hold">
+                                          <p:stCondLst>
+                                            <p:cond delay="0"/>
+                                          </p:stCondLst>
+                                        </p:cTn>
+                                        <p:tgtEl>
+                                          <p:spTgt spid="13"/>
+                                        </p:tgtEl>
+                                        <p:attrNameLst>
+                                          <p:attrName>style.visibility</p:attrName>
+                                        </p:attrNameLst>
+                                      </p:cBhvr>
+                                      <p:to>
+                                        <p:strVal val="visible"/>
+                                      </p:to>
+                                    </p:set>
+                                    <p:animEffect transition="in" filter="fade">
+                                      <p:cBhvr>
+                                        <p:cTn id="7" dur="500"/>
+                                        <p:tgtEl>
+                                          <p:spTgt spid="13"/>
+                                        </p:tgtEl>
+                                      </p:cBhvr>
+                                    </p:animEffect>
+                                  </p:childTnLst>
+                                </p:cTn>
+                              </p:par>
+                              <p:par>
+                                <p:cTn id="8" presetID="10" presetClass="entr" presetSubtype="0" fill="hold" nodeType="withEffect">
+                                  <p:stCondLst>
+                                    <p:cond delay="0"/>
+                                  </p:stCondLst>
+                                  <p:childTnLst>
+                                    <p:set>
+                                      <p:cBhvr>
+                                        <p:cTn id="9" dur="1" fill="hold">
+                                          <p:stCondLst>
+                                            <p:cond delay="0"/>
+                                          </p:stCondLst>
+                                        </p:cTn>
+                                        <p:tgtEl>
+                                          <p:spTgt spid="12"/>
+                                        </p:tgtEl>
+                                        <p:attrNameLst>
+                                          <p:attrName>style.visibility</p:attrName>
+                                        </p:attrNameLst>
+                                      </p:cBhvr>
+                                      <p:to>
+                                        <p:strVal val="visible"/>
+                                      </p:to>
+                                    </p:set>
+                                    <p:animEffect transition="in" filter="fade">
+                                      <p:cBhvr>
+                                        <p:cTn id="10" dur="500"/>
+                                        <p:tgtEl>
+                                          <p:spTgt spid="12"/>
+                                        </p:tgtEl>
+                                      </p:cBhvr>
+                                    </p:animEffect>
+                                  </p:childTnLst>
+                                </p:cTn>
+                              </p:par>
+                            </p:childTnLst>
+                          </p:cTn>
+                        </p:par>
+                      </p:childTnLst>
+                    </p:cTn>
+                  </p:par>
+                </p:childTnLst>
+              </p:cTn>
+              <p:prevCondLst>
+                <p:cond evt="onPrev" delay="0">
+                  <p:tgtEl>
+                    <p:sldTgt/>
+                  </p:tgtEl>
+                </p:cond>
+              </p:prevCondLst>
+              <p:nextCondLst>
+                <p:cond evt="onNext" delay="0">
+                  <p:tgtEl>
+                    <p:sldTgt/>
+                  </p:tgtEl>
+                </p:cond>
+              </p:nextCondLst>
+            </p:seq>
+          </p:childTnLst>
+        </p:cTn>
+      </p:par>
+    </p:tnLst>
+    <p:bldLst>
+      <p:bldP spid="13" grpId="0" animBg="1"/>
+    </p:bldLst>
+  </p:timing>
 </p:sld>
 </file>
 
@@ -12402,6 +12523,360 @@
       <p:transition/>
     </mc:Fallback>
   </mc:AlternateContent>
+  <p:timing>
+    <p:tnLst>
+      <p:par>
+        <p:cTn id="1" dur="indefinite" restart="never" nodeType="tmRoot">
+          <p:childTnLst>
+            <p:seq concurrent="1" nextAc="seek">
+              <p:cTn id="2" dur="indefinite" nodeType="mainSeq">
+                <p:childTnLst>
+                  <p:par>
+                    <p:cTn id="3" fill="hold">
+                      <p:stCondLst>
+                        <p:cond delay="indefinite"/>
+                      </p:stCondLst>
+                      <p:childTnLst>
+                        <p:par>
+                          <p:cTn id="4" fill="hold">
+                            <p:stCondLst>
+                              <p:cond delay="0"/>
+                            </p:stCondLst>
+                            <p:childTnLst>
+                              <p:par>
+                                <p:cTn id="5" presetID="10" presetClass="entr" presetSubtype="0" fill="hold" nodeType="clickEffect">
+                                  <p:stCondLst>
+                                    <p:cond delay="0"/>
+                                  </p:stCondLst>
+                                  <p:childTnLst>
+                                    <p:set>
+                                      <p:cBhvr>
+                                        <p:cTn id="6" dur="1" fill="hold">
+                                          <p:stCondLst>
+                                            <p:cond delay="0"/>
+                                          </p:stCondLst>
+                                        </p:cTn>
+                                        <p:tgtEl>
+                                          <p:spTgt spid="6"/>
+                                        </p:tgtEl>
+                                        <p:attrNameLst>
+                                          <p:attrName>style.visibility</p:attrName>
+                                        </p:attrNameLst>
+                                      </p:cBhvr>
+                                      <p:to>
+                                        <p:strVal val="visible"/>
+                                      </p:to>
+                                    </p:set>
+                                    <p:animEffect transition="in" filter="fade">
+                                      <p:cBhvr>
+                                        <p:cTn id="7" dur="500"/>
+                                        <p:tgtEl>
+                                          <p:spTgt spid="6"/>
+                                        </p:tgtEl>
+                                      </p:cBhvr>
+                                    </p:animEffect>
+                                  </p:childTnLst>
+                                </p:cTn>
+                              </p:par>
+                              <p:par>
+                                <p:cTn id="8" presetID="10" presetClass="entr" presetSubtype="0" fill="hold" grpId="0" nodeType="withEffect">
+                                  <p:stCondLst>
+                                    <p:cond delay="0"/>
+                                  </p:stCondLst>
+                                  <p:childTnLst>
+                                    <p:set>
+                                      <p:cBhvr>
+                                        <p:cTn id="9" dur="1" fill="hold">
+                                          <p:stCondLst>
+                                            <p:cond delay="0"/>
+                                          </p:stCondLst>
+                                        </p:cTn>
+                                        <p:tgtEl>
+                                          <p:spTgt spid="7"/>
+                                        </p:tgtEl>
+                                        <p:attrNameLst>
+                                          <p:attrName>style.visibility</p:attrName>
+                                        </p:attrNameLst>
+                                      </p:cBhvr>
+                                      <p:to>
+                                        <p:strVal val="visible"/>
+                                      </p:to>
+                                    </p:set>
+                                    <p:animEffect transition="in" filter="fade">
+                                      <p:cBhvr>
+                                        <p:cTn id="10" dur="500"/>
+                                        <p:tgtEl>
+                                          <p:spTgt spid="7"/>
+                                        </p:tgtEl>
+                                      </p:cBhvr>
+                                    </p:animEffect>
+                                  </p:childTnLst>
+                                </p:cTn>
+                              </p:par>
+                            </p:childTnLst>
+                          </p:cTn>
+                        </p:par>
+                      </p:childTnLst>
+                    </p:cTn>
+                  </p:par>
+                  <p:par>
+                    <p:cTn id="11" fill="hold">
+                      <p:stCondLst>
+                        <p:cond delay="indefinite"/>
+                      </p:stCondLst>
+                      <p:childTnLst>
+                        <p:par>
+                          <p:cTn id="12" fill="hold">
+                            <p:stCondLst>
+                              <p:cond delay="0"/>
+                            </p:stCondLst>
+                            <p:childTnLst>
+                              <p:par>
+                                <p:cTn id="13" presetID="10" presetClass="entr" presetSubtype="0" fill="hold" grpId="0" nodeType="clickEffect">
+                                  <p:stCondLst>
+                                    <p:cond delay="0"/>
+                                  </p:stCondLst>
+                                  <p:childTnLst>
+                                    <p:set>
+                                      <p:cBhvr>
+                                        <p:cTn id="14" dur="1" fill="hold">
+                                          <p:stCondLst>
+                                            <p:cond delay="0"/>
+                                          </p:stCondLst>
+                                        </p:cTn>
+                                        <p:tgtEl>
+                                          <p:spTgt spid="4"/>
+                                        </p:tgtEl>
+                                        <p:attrNameLst>
+                                          <p:attrName>style.visibility</p:attrName>
+                                        </p:attrNameLst>
+                                      </p:cBhvr>
+                                      <p:to>
+                                        <p:strVal val="visible"/>
+                                      </p:to>
+                                    </p:set>
+                                    <p:animEffect transition="in" filter="fade">
+                                      <p:cBhvr>
+                                        <p:cTn id="15" dur="500"/>
+                                        <p:tgtEl>
+                                          <p:spTgt spid="4"/>
+                                        </p:tgtEl>
+                                      </p:cBhvr>
+                                    </p:animEffect>
+                                  </p:childTnLst>
+                                </p:cTn>
+                              </p:par>
+                              <p:par>
+                                <p:cTn id="16" presetID="10" presetClass="entr" presetSubtype="0" fill="hold" grpId="0" nodeType="withEffect">
+                                  <p:stCondLst>
+                                    <p:cond delay="0"/>
+                                  </p:stCondLst>
+                                  <p:childTnLst>
+                                    <p:set>
+                                      <p:cBhvr>
+                                        <p:cTn id="17" dur="1" fill="hold">
+                                          <p:stCondLst>
+                                            <p:cond delay="0"/>
+                                          </p:stCondLst>
+                                        </p:cTn>
+                                        <p:tgtEl>
+                                          <p:spTgt spid="9"/>
+                                        </p:tgtEl>
+                                        <p:attrNameLst>
+                                          <p:attrName>style.visibility</p:attrName>
+                                        </p:attrNameLst>
+                                      </p:cBhvr>
+                                      <p:to>
+                                        <p:strVal val="visible"/>
+                                      </p:to>
+                                    </p:set>
+                                    <p:animEffect transition="in" filter="fade">
+                                      <p:cBhvr>
+                                        <p:cTn id="18" dur="500"/>
+                                        <p:tgtEl>
+                                          <p:spTgt spid="9"/>
+                                        </p:tgtEl>
+                                      </p:cBhvr>
+                                    </p:animEffect>
+                                  </p:childTnLst>
+                                </p:cTn>
+                              </p:par>
+                            </p:childTnLst>
+                          </p:cTn>
+                        </p:par>
+                      </p:childTnLst>
+                    </p:cTn>
+                  </p:par>
+                  <p:par>
+                    <p:cTn id="19" fill="hold">
+                      <p:stCondLst>
+                        <p:cond delay="indefinite"/>
+                      </p:stCondLst>
+                      <p:childTnLst>
+                        <p:par>
+                          <p:cTn id="20" fill="hold">
+                            <p:stCondLst>
+                              <p:cond delay="0"/>
+                            </p:stCondLst>
+                            <p:childTnLst>
+                              <p:par>
+                                <p:cTn id="21" presetID="10" presetClass="entr" presetSubtype="0" fill="hold" grpId="0" nodeType="clickEffect">
+                                  <p:stCondLst>
+                                    <p:cond delay="0"/>
+                                  </p:stCondLst>
+                                  <p:childTnLst>
+                                    <p:set>
+                                      <p:cBhvr>
+                                        <p:cTn id="22" dur="1" fill="hold">
+                                          <p:stCondLst>
+                                            <p:cond delay="0"/>
+                                          </p:stCondLst>
+                                        </p:cTn>
+                                        <p:tgtEl>
+                                          <p:spTgt spid="5"/>
+                                        </p:tgtEl>
+                                        <p:attrNameLst>
+                                          <p:attrName>style.visibility</p:attrName>
+                                        </p:attrNameLst>
+                                      </p:cBhvr>
+                                      <p:to>
+                                        <p:strVal val="visible"/>
+                                      </p:to>
+                                    </p:set>
+                                    <p:animEffect transition="in" filter="fade">
+                                      <p:cBhvr>
+                                        <p:cTn id="23" dur="500"/>
+                                        <p:tgtEl>
+                                          <p:spTgt spid="5"/>
+                                        </p:tgtEl>
+                                      </p:cBhvr>
+                                    </p:animEffect>
+                                  </p:childTnLst>
+                                </p:cTn>
+                              </p:par>
+                              <p:par>
+                                <p:cTn id="24" presetID="10" presetClass="entr" presetSubtype="0" fill="hold" nodeType="withEffect">
+                                  <p:stCondLst>
+                                    <p:cond delay="0"/>
+                                  </p:stCondLst>
+                                  <p:childTnLst>
+                                    <p:set>
+                                      <p:cBhvr>
+                                        <p:cTn id="25" dur="1" fill="hold">
+                                          <p:stCondLst>
+                                            <p:cond delay="0"/>
+                                          </p:stCondLst>
+                                        </p:cTn>
+                                        <p:tgtEl>
+                                          <p:spTgt spid="8"/>
+                                        </p:tgtEl>
+                                        <p:attrNameLst>
+                                          <p:attrName>style.visibility</p:attrName>
+                                        </p:attrNameLst>
+                                      </p:cBhvr>
+                                      <p:to>
+                                        <p:strVal val="visible"/>
+                                      </p:to>
+                                    </p:set>
+                                    <p:animEffect transition="in" filter="fade">
+                                      <p:cBhvr>
+                                        <p:cTn id="26" dur="500"/>
+                                        <p:tgtEl>
+                                          <p:spTgt spid="8"/>
+                                        </p:tgtEl>
+                                      </p:cBhvr>
+                                    </p:animEffect>
+                                  </p:childTnLst>
+                                </p:cTn>
+                              </p:par>
+                            </p:childTnLst>
+                          </p:cTn>
+                        </p:par>
+                      </p:childTnLst>
+                    </p:cTn>
+                  </p:par>
+                  <p:par>
+                    <p:cTn id="27" fill="hold">
+                      <p:stCondLst>
+                        <p:cond delay="indefinite"/>
+                      </p:stCondLst>
+                      <p:childTnLst>
+                        <p:par>
+                          <p:cTn id="28" fill="hold">
+                            <p:stCondLst>
+                              <p:cond delay="0"/>
+                            </p:stCondLst>
+                            <p:childTnLst>
+                              <p:par>
+                                <p:cTn id="29" presetID="10" presetClass="entr" presetSubtype="0" fill="hold" grpId="0" nodeType="clickEffect">
+                                  <p:stCondLst>
+                                    <p:cond delay="0"/>
+                                  </p:stCondLst>
+                                  <p:childTnLst>
+                                    <p:set>
+                                      <p:cBhvr>
+                                        <p:cTn id="30" dur="1" fill="hold">
+                                          <p:stCondLst>
+                                            <p:cond delay="0"/>
+                                          </p:stCondLst>
+                                        </p:cTn>
+                                        <p:tgtEl>
+                                          <p:spTgt spid="12"/>
+                                        </p:tgtEl>
+                                        <p:attrNameLst>
+                                          <p:attrName>style.visibility</p:attrName>
+                                        </p:attrNameLst>
+                                      </p:cBhvr>
+                                      <p:to>
+                                        <p:strVal val="visible"/>
+                                      </p:to>
+                                    </p:set>
+                                    <p:animEffect transition="in" filter="fade">
+                                      <p:cBhvr>
+                                        <p:cTn id="31" dur="500"/>
+                                        <p:tgtEl>
+                                          <p:spTgt spid="12"/>
+                                        </p:tgtEl>
+                                      </p:cBhvr>
+                                    </p:animEffect>
+                                  </p:childTnLst>
+                                </p:cTn>
+                              </p:par>
+                            </p:childTnLst>
+                          </p:cTn>
+                        </p:par>
+                      </p:childTnLst>
+                    </p:cTn>
+                  </p:par>
+                </p:childTnLst>
+              </p:cTn>
+              <p:prevCondLst>
+                <p:cond evt="onPrev" delay="0">
+                  <p:tgtEl>
+                    <p:sldTgt/>
+                  </p:tgtEl>
+                </p:cond>
+              </p:prevCondLst>
+              <p:nextCondLst>
+                <p:cond evt="onNext" delay="0">
+                  <p:tgtEl>
+                    <p:sldTgt/>
+                  </p:tgtEl>
+                </p:cond>
+              </p:nextCondLst>
+            </p:seq>
+          </p:childTnLst>
+        </p:cTn>
+      </p:par>
+    </p:tnLst>
+    <p:bldLst>
+      <p:bldP spid="12" grpId="0" animBg="1"/>
+      <p:bldP spid="4" grpId="0" animBg="1"/>
+      <p:bldP spid="5" grpId="0" animBg="1"/>
+      <p:bldP spid="7" grpId="0"/>
+      <p:bldP spid="9" grpId="0"/>
+    </p:bldLst>
+  </p:timing>
 </p:sld>
 </file>
 
@@ -16748,7 +17223,7 @@
             <a:graphicData uri="http://schemas.openxmlformats.org/presentationml/2006/ole">
               <mc:AlternateContent xmlns:mc="http://schemas.openxmlformats.org/markup-compatibility/2006">
                 <mc:Choice xmlns:v="urn:schemas-microsoft-com:vml" Requires="v">
-                  <p:oleObj spid="_x0000_s16194" name="Equation" r:id="rId4" imgW="152280" imgH="228600" progId="Equation.DSMT4">
+                  <p:oleObj spid="_x0000_s16218" name="Equation" r:id="rId4" imgW="152280" imgH="228600" progId="Equation.DSMT4">
                     <p:embed/>
                   </p:oleObj>
                 </mc:Choice>
@@ -16811,7 +17286,7 @@
             <a:graphicData uri="http://schemas.openxmlformats.org/presentationml/2006/ole">
               <mc:AlternateContent xmlns:mc="http://schemas.openxmlformats.org/markup-compatibility/2006">
                 <mc:Choice xmlns:v="urn:schemas-microsoft-com:vml" Requires="v">
-                  <p:oleObj spid="_x0000_s16195" name="Equation" r:id="rId6" imgW="164880" imgH="228600" progId="Equation.DSMT4">
+                  <p:oleObj spid="_x0000_s16219" name="Equation" r:id="rId6" imgW="164880" imgH="228600" progId="Equation.DSMT4">
                     <p:embed/>
                   </p:oleObj>
                 </mc:Choice>
@@ -17684,7 +18159,7 @@
             <a:graphicData uri="http://schemas.openxmlformats.org/presentationml/2006/ole">
               <mc:AlternateContent xmlns:mc="http://schemas.openxmlformats.org/markup-compatibility/2006">
                 <mc:Choice xmlns:v="urn:schemas-microsoft-com:vml" Requires="v">
-                  <p:oleObj spid="_x0000_s16196" name="Equation" r:id="rId8" imgW="279360" imgH="228600" progId="Equation.DSMT4">
+                  <p:oleObj spid="_x0000_s16220" name="Equation" r:id="rId8" imgW="279360" imgH="228600" progId="Equation.DSMT4">
                     <p:embed/>
                   </p:oleObj>
                 </mc:Choice>
@@ -17753,7 +18228,7 @@
             <a:graphicData uri="http://schemas.openxmlformats.org/presentationml/2006/ole">
               <mc:AlternateContent xmlns:mc="http://schemas.openxmlformats.org/markup-compatibility/2006">
                 <mc:Choice xmlns:v="urn:schemas-microsoft-com:vml" Requires="v">
-                  <p:oleObj spid="_x0000_s16197" name="Equation" r:id="rId10" imgW="279360" imgH="228600" progId="Equation.DSMT4">
+                  <p:oleObj spid="_x0000_s16221" name="Equation" r:id="rId10" imgW="279360" imgH="228600" progId="Equation.DSMT4">
                     <p:embed/>
                   </p:oleObj>
                 </mc:Choice>
@@ -17822,7 +18297,7 @@
             <a:graphicData uri="http://schemas.openxmlformats.org/presentationml/2006/ole">
               <mc:AlternateContent xmlns:mc="http://schemas.openxmlformats.org/markup-compatibility/2006">
                 <mc:Choice xmlns:v="urn:schemas-microsoft-com:vml" Requires="v">
-                  <p:oleObj spid="_x0000_s16198" name="Equation" r:id="rId12" imgW="279360" imgH="228600" progId="Equation.DSMT4">
+                  <p:oleObj spid="_x0000_s16222" name="Equation" r:id="rId12" imgW="279360" imgH="228600" progId="Equation.DSMT4">
                     <p:embed/>
                   </p:oleObj>
                 </mc:Choice>
@@ -17891,7 +18366,7 @@
             <a:graphicData uri="http://schemas.openxmlformats.org/presentationml/2006/ole">
               <mc:AlternateContent xmlns:mc="http://schemas.openxmlformats.org/markup-compatibility/2006">
                 <mc:Choice xmlns:v="urn:schemas-microsoft-com:vml" Requires="v">
-                  <p:oleObj spid="_x0000_s16199" name="Equation" r:id="rId13" imgW="279360" imgH="228600" progId="Equation.DSMT4">
+                  <p:oleObj spid="_x0000_s16223" name="Equation" r:id="rId13" imgW="279360" imgH="228600" progId="Equation.DSMT4">
                     <p:embed/>
                   </p:oleObj>
                 </mc:Choice>
@@ -18673,11 +19148,11 @@
   <p:clrMapOvr>
     <a:masterClrMapping/>
   </p:clrMapOvr>
-  <mc:AlternateContent xmlns:mc="http://schemas.openxmlformats.org/markup-compatibility/2006">
-    <mc:Choice xmlns:p14="http://schemas.microsoft.com/office/powerpoint/2010/main" Requires="p14">
+  <mc:AlternateContent xmlns:mc="http://schemas.openxmlformats.org/markup-compatibility/2006" xmlns:p14="http://schemas.microsoft.com/office/powerpoint/2010/main">
+    <mc:Choice Requires="p14">
       <p:transition p14:dur="10"/>
     </mc:Choice>
-    <mc:Fallback>
+    <mc:Fallback xmlns="">
       <p:transition/>
     </mc:Fallback>
   </mc:AlternateContent>
@@ -21494,11 +21969,11 @@
   <p:clrMapOvr>
     <a:masterClrMapping/>
   </p:clrMapOvr>
-  <mc:AlternateContent xmlns:mc="http://schemas.openxmlformats.org/markup-compatibility/2006">
-    <mc:Choice xmlns:p14="http://schemas.microsoft.com/office/powerpoint/2010/main" Requires="p14">
+  <mc:AlternateContent xmlns:mc="http://schemas.openxmlformats.org/markup-compatibility/2006" xmlns:p14="http://schemas.microsoft.com/office/powerpoint/2010/main">
+    <mc:Choice Requires="p14">
       <p:transition p14:dur="10"/>
     </mc:Choice>
-    <mc:Fallback>
+    <mc:Fallback xmlns="">
       <p:transition/>
     </mc:Fallback>
   </mc:AlternateContent>
@@ -21689,8 +22164,8 @@
         </p:nvGrpSpPr>
         <p:grpSpPr>
           <a:xfrm>
-            <a:off x="3533903" y="3321004"/>
-            <a:ext cx="402566" cy="1161332"/>
+            <a:off x="3533902" y="3321004"/>
+            <a:ext cx="474505" cy="1161332"/>
             <a:chOff x="3769122" y="2385670"/>
             <a:chExt cx="402566" cy="1161332"/>
           </a:xfrm>
@@ -21806,7 +22281,7 @@
                     <a:schemeClr val="tx1"/>
                   </a:solidFill>
                 </a:rPr>
-                <a:t>0.2</a:t>
+                <a:t>0.15</a:t>
               </a:r>
               <a:endParaRPr lang="zh-CN" altLang="en-US" sz="1200" dirty="0">
                 <a:solidFill>
@@ -21865,7 +22340,7 @@
                     <a:schemeClr val="tx1"/>
                   </a:solidFill>
                 </a:rPr>
-                <a:t>0.3</a:t>
+                <a:t>0.2</a:t>
               </a:r>
               <a:endParaRPr lang="zh-CN" altLang="en-US" sz="1200" dirty="0">
                 <a:solidFill>
@@ -24014,11 +24489,11 @@
   <p:clrMapOvr>
     <a:masterClrMapping/>
   </p:clrMapOvr>
-  <mc:AlternateContent xmlns:mc="http://schemas.openxmlformats.org/markup-compatibility/2006">
-    <mc:Choice xmlns:p14="http://schemas.microsoft.com/office/powerpoint/2010/main" Requires="p14">
+  <mc:AlternateContent xmlns:mc="http://schemas.openxmlformats.org/markup-compatibility/2006" xmlns:p14="http://schemas.microsoft.com/office/powerpoint/2010/main">
+    <mc:Choice Requires="p14">
       <p:transition p14:dur="10"/>
     </mc:Choice>
-    <mc:Fallback>
+    <mc:Fallback xmlns="">
       <p:transition/>
     </mc:Fallback>
   </mc:AlternateContent>
